--- a/FreeMonadPresentation.pptx
+++ b/FreeMonadPresentation.pptx
@@ -5,7 +5,7 @@
     <p:sldMasterId id="2147483936" r:id="rId1"/>
   </p:sldMasterIdLst>
   <p:notesMasterIdLst>
-    <p:notesMasterId r:id="rId25"/>
+    <p:notesMasterId r:id="rId26"/>
   </p:notesMasterIdLst>
   <p:sldIdLst>
     <p:sldId id="256" r:id="rId2"/>
@@ -31,6 +31,7 @@
     <p:sldId id="276" r:id="rId22"/>
     <p:sldId id="277" r:id="rId23"/>
     <p:sldId id="278" r:id="rId24"/>
+    <p:sldId id="279" r:id="rId25"/>
   </p:sldIdLst>
   <p:sldSz cx="9144000" cy="6858000" type="screen4x3"/>
   <p:notesSz cx="6858000" cy="9144000"/>
@@ -16090,6 +16091,176 @@
     <p:extLst>
       <p:ext uri="{BB962C8B-B14F-4D97-AF65-F5344CB8AC3E}">
         <p14:creationId xmlns:p14="http://schemas.microsoft.com/office/powerpoint/2010/main" val="1917187520"/>
+      </p:ext>
+    </p:extLst>
+  </p:cSld>
+  <p:clrMapOvr>
+    <a:masterClrMapping/>
+  </p:clrMapOvr>
+</p:sld>
+</file>
+
+<file path=ppt/slides/slide24.xml><?xml version="1.0" encoding="utf-8"?>
+<p:sld xmlns:a="http://schemas.openxmlformats.org/drawingml/2006/main" xmlns:r="http://schemas.openxmlformats.org/officeDocument/2006/relationships" xmlns:p="http://schemas.openxmlformats.org/presentationml/2006/main">
+  <p:cSld>
+    <p:spTree>
+      <p:nvGrpSpPr>
+        <p:cNvPr id="1" name=""/>
+        <p:cNvGrpSpPr/>
+        <p:nvPr/>
+      </p:nvGrpSpPr>
+      <p:grpSpPr>
+        <a:xfrm>
+          <a:off x="0" y="0"/>
+          <a:ext cx="0" cy="0"/>
+          <a:chOff x="0" y="0"/>
+          <a:chExt cx="0" cy="0"/>
+        </a:xfrm>
+      </p:grpSpPr>
+      <p:sp>
+        <p:nvSpPr>
+          <p:cNvPr id="2" name="Title 1"/>
+          <p:cNvSpPr>
+            <a:spLocks noGrp="1"/>
+          </p:cNvSpPr>
+          <p:nvPr>
+            <p:ph type="title"/>
+          </p:nvPr>
+        </p:nvSpPr>
+        <p:spPr/>
+        <p:txBody>
+          <a:bodyPr/>
+          <a:lstStyle/>
+          <a:p>
+            <a:r>
+              <a:rPr lang="en-US" dirty="0" smtClean="0"/>
+              <a:t>References</a:t>
+            </a:r>
+            <a:endParaRPr lang="en-US" dirty="0"/>
+          </a:p>
+        </p:txBody>
+      </p:sp>
+      <p:sp>
+        <p:nvSpPr>
+          <p:cNvPr id="3" name="Content Placeholder 2"/>
+          <p:cNvSpPr>
+            <a:spLocks noGrp="1"/>
+          </p:cNvSpPr>
+          <p:nvPr>
+            <p:ph idx="1"/>
+          </p:nvPr>
+        </p:nvSpPr>
+        <p:spPr/>
+        <p:txBody>
+          <a:bodyPr>
+            <a:normAutofit lnSpcReduction="10000"/>
+          </a:bodyPr>
+          <a:lstStyle/>
+          <a:p>
+            <a:r>
+              <a:rPr lang="en-US" dirty="0" err="1" smtClean="0"/>
+              <a:t>Chiusano</a:t>
+            </a:r>
+            <a:r>
+              <a:rPr lang="en-US" dirty="0" smtClean="0"/>
+              <a:t>, P and </a:t>
+            </a:r>
+            <a:r>
+              <a:rPr lang="en-US" dirty="0" err="1" smtClean="0"/>
+              <a:t>Bjarnason</a:t>
+            </a:r>
+            <a:r>
+              <a:rPr lang="en-US" dirty="0" smtClean="0"/>
+              <a:t>, R. </a:t>
+            </a:r>
+            <a:r>
+              <a:rPr lang="en-US" i="1" dirty="0" smtClean="0"/>
+              <a:t>Functional Programming in </a:t>
+            </a:r>
+            <a:r>
+              <a:rPr lang="en-US" i="1" dirty="0" err="1" smtClean="0"/>
+              <a:t>Scala</a:t>
+            </a:r>
+            <a:r>
+              <a:rPr lang="en-US" i="1" dirty="0" smtClean="0"/>
+              <a:t>. </a:t>
+            </a:r>
+            <a:r>
+              <a:rPr lang="en-US" dirty="0" smtClean="0"/>
+              <a:t>2014</a:t>
+            </a:r>
+          </a:p>
+          <a:p>
+            <a:r>
+              <a:rPr lang="en-US" dirty="0" err="1" smtClean="0">
+                <a:hlinkClick r:id="rId2"/>
+              </a:rPr>
+              <a:t>Bjarnsaon</a:t>
+            </a:r>
+            <a:r>
+              <a:rPr lang="en-US" dirty="0" smtClean="0">
+                <a:hlinkClick r:id="rId2"/>
+              </a:rPr>
+              <a:t>, R. </a:t>
+            </a:r>
+            <a:r>
+              <a:rPr lang="en-US" i="1" dirty="0" smtClean="0">
+                <a:hlinkClick r:id="rId2"/>
+              </a:rPr>
+              <a:t>Compositional Application Architecture with Reasonably Priced Monads. </a:t>
+            </a:r>
+            <a:r>
+              <a:rPr lang="en-US" dirty="0" smtClean="0">
+                <a:hlinkClick r:id="rId2"/>
+              </a:rPr>
+              <a:t>2014</a:t>
+            </a:r>
+            <a:endParaRPr lang="en-US" dirty="0" smtClean="0"/>
+          </a:p>
+          <a:p>
+            <a:r>
+              <a:rPr lang="en-US" dirty="0" smtClean="0">
+                <a:hlinkClick r:id="rId3"/>
+              </a:rPr>
+              <a:t>Scalaz Library</a:t>
+            </a:r>
+            <a:endParaRPr lang="en-US" dirty="0" smtClean="0"/>
+          </a:p>
+          <a:p>
+            <a:r>
+              <a:rPr lang="en-US" dirty="0" smtClean="0">
+                <a:hlinkClick r:id="rId4"/>
+              </a:rPr>
+              <a:t>Cats Library</a:t>
+            </a:r>
+            <a:endParaRPr lang="en-US" dirty="0" smtClean="0"/>
+          </a:p>
+          <a:p>
+            <a:pPr lvl="1"/>
+            <a:r>
+              <a:rPr lang="en-US" i="1" dirty="0" smtClean="0"/>
+              <a:t>Cats has a great </a:t>
+            </a:r>
+            <a:r>
+              <a:rPr lang="en-US" i="1" dirty="0" smtClean="0">
+                <a:hlinkClick r:id="rId5"/>
+              </a:rPr>
+              <a:t>explanation </a:t>
+            </a:r>
+            <a:r>
+              <a:rPr lang="en-US" i="1" dirty="0" smtClean="0"/>
+              <a:t>for Free Monads written in a tutorial style covering the same topic but leveraging the cats library </a:t>
+            </a:r>
+          </a:p>
+          <a:p>
+            <a:endParaRPr lang="en-US" dirty="0"/>
+          </a:p>
+        </p:txBody>
+      </p:sp>
+    </p:spTree>
+    <p:extLst>
+      <p:ext uri="{BB962C8B-B14F-4D97-AF65-F5344CB8AC3E}">
+        <p14:creationId xmlns:p14="http://schemas.microsoft.com/office/powerpoint/2010/main" val="1310191123"/>
       </p:ext>
     </p:extLst>
   </p:cSld>

--- a/FreeMonadPresentation.pptx
+++ b/FreeMonadPresentation.pptx
@@ -215,7 +215,7 @@
           <a:p>
             <a:fld id="{F589A6F9-58D0-F040-A539-9701EB047775}" type="datetimeFigureOut">
               <a:rPr lang="en-US" smtClean="0"/>
-              <a:t>2/10/16</a:t>
+              <a:t>2/15/16</a:t>
             </a:fld>
             <a:endParaRPr lang="en-US"/>
           </a:p>
@@ -1004,7 +1004,7 @@
             <a:fld id="{451DEABC-D766-4322-8E78-B830FAE35C72}" type="datetime4">
               <a:rPr lang="en-US" smtClean="0"/>
               <a:pPr/>
-              <a:t>February 10, 2016</a:t>
+              <a:t>February 15, 2016</a:t>
             </a:fld>
             <a:endParaRPr lang="en-US" dirty="0"/>
           </a:p>
@@ -1617,7 +1617,7 @@
             <a:fld id="{17D0EFEE-2756-4A20-BF2A-63F0A94F99AC}" type="datetime4">
               <a:rPr lang="en-US" smtClean="0"/>
               <a:pPr/>
-              <a:t>February 10, 2016</a:t>
+              <a:t>February 15, 2016</a:t>
             </a:fld>
             <a:endParaRPr lang="en-US" dirty="0"/>
           </a:p>
@@ -2192,7 +2192,7 @@
             <a:fld id="{76EEA923-9BEE-48CE-9F28-5B525F399BAD}" type="datetime4">
               <a:rPr lang="en-US" smtClean="0"/>
               <a:pPr/>
-              <a:t>February 10, 2016</a:t>
+              <a:t>February 15, 2016</a:t>
             </a:fld>
             <a:endParaRPr lang="en-US"/>
           </a:p>
@@ -2728,7 +2728,7 @@
             <a:fld id="{17D0EFEE-2756-4A20-BF2A-63F0A94F99AC}" type="datetime4">
               <a:rPr lang="en-US" smtClean="0"/>
               <a:pPr/>
-              <a:t>February 10, 2016</a:t>
+              <a:t>February 15, 2016</a:t>
             </a:fld>
             <a:endParaRPr lang="en-US" dirty="0"/>
           </a:p>
@@ -3133,7 +3133,7 @@
             <a:fld id="{F3131F9E-604E-4343-9F29-EF72E8231CAD}" type="datetime4">
               <a:rPr lang="en-US" smtClean="0"/>
               <a:pPr/>
-              <a:t>February 10, 2016</a:t>
+              <a:t>February 15, 2016</a:t>
             </a:fld>
             <a:endParaRPr lang="en-US"/>
           </a:p>
@@ -3568,7 +3568,7 @@
             <a:fld id="{34A8E1CE-37F8-4102-8DF9-852A0A51F293}" type="datetime4">
               <a:rPr lang="en-US" smtClean="0"/>
               <a:pPr/>
-              <a:t>February 10, 2016</a:t>
+              <a:t>February 15, 2016</a:t>
             </a:fld>
             <a:endParaRPr lang="en-US"/>
           </a:p>
@@ -3972,7 +3972,7 @@
             <a:fld id="{93333F43-3E86-47E4-BFBB-2476D384E1C6}" type="datetime4">
               <a:rPr lang="en-US" smtClean="0"/>
               <a:pPr/>
-              <a:t>February 10, 2016</a:t>
+              <a:t>February 15, 2016</a:t>
             </a:fld>
             <a:endParaRPr lang="en-US"/>
           </a:p>
@@ -4448,7 +4448,7 @@
             <a:fld id="{17D0EFEE-2756-4A20-BF2A-63F0A94F99AC}" type="datetime4">
               <a:rPr lang="en-US" smtClean="0"/>
               <a:pPr/>
-              <a:t>February 10, 2016</a:t>
+              <a:t>February 15, 2016</a:t>
             </a:fld>
             <a:endParaRPr lang="en-US" dirty="0"/>
           </a:p>
@@ -4900,7 +4900,7 @@
             <a:fld id="{751663BA-01FC-4367-B6F3-ABB2645D55F1}" type="datetime4">
               <a:rPr lang="en-US" smtClean="0"/>
               <a:pPr/>
-              <a:t>February 10, 2016</a:t>
+              <a:t>February 15, 2016</a:t>
             </a:fld>
             <a:endParaRPr lang="en-US" dirty="0"/>
           </a:p>
@@ -5422,7 +5422,7 @@
             <a:fld id="{79B19C71-EC74-44AF-B27E-FC7DC3C3A61D}" type="datetime4">
               <a:rPr lang="en-US" smtClean="0"/>
               <a:pPr/>
-              <a:t>February 10, 2016</a:t>
+              <a:t>February 15, 2016</a:t>
             </a:fld>
             <a:endParaRPr lang="en-US"/>
           </a:p>
@@ -6144,7 +6144,7 @@
             <a:fld id="{6A5CDA29-3CBE-48EA-92AE-A996835462BA}" type="datetime4">
               <a:rPr lang="en-US" smtClean="0"/>
               <a:pPr/>
-              <a:t>February 10, 2016</a:t>
+              <a:t>February 15, 2016</a:t>
             </a:fld>
             <a:endParaRPr lang="en-US"/>
           </a:p>
@@ -6492,7 +6492,7 @@
             <a:fld id="{E29EC054-3869-4501-B163-1BBFDE8DCE04}" type="datetime4">
               <a:rPr lang="en-US" smtClean="0"/>
               <a:pPr/>
-              <a:t>February 10, 2016</a:t>
+              <a:t>February 15, 2016</a:t>
             </a:fld>
             <a:endParaRPr lang="en-US"/>
           </a:p>
@@ -6763,7 +6763,7 @@
             <a:fld id="{0A63D831-56C1-49CF-8EF7-8B9A98402BCD}" type="datetime4">
               <a:rPr lang="en-US" smtClean="0"/>
               <a:pPr/>
-              <a:t>February 10, 2016</a:t>
+              <a:t>February 15, 2016</a:t>
             </a:fld>
             <a:endParaRPr lang="en-US"/>
           </a:p>
@@ -7322,7 +7322,7 @@
             <a:fld id="{6EAD5615-7F4F-4584-84D5-CC95918C321F}" type="datetime4">
               <a:rPr lang="en-US" smtClean="0"/>
               <a:pPr/>
-              <a:t>February 10, 2016</a:t>
+              <a:t>February 15, 2016</a:t>
             </a:fld>
             <a:endParaRPr lang="en-US"/>
           </a:p>
@@ -7534,7 +7534,7 @@
             <a:fld id="{17D0EFEE-2756-4A20-BF2A-63F0A94F99AC}" type="datetime4">
               <a:rPr lang="en-US" smtClean="0"/>
               <a:pPr/>
-              <a:t>February 10, 2016</a:t>
+              <a:t>February 15, 2016</a:t>
             </a:fld>
             <a:endParaRPr lang="en-US" dirty="0"/>
           </a:p>
@@ -16951,7 +16951,7 @@
           <a:p>
             <a:r>
               <a:rPr lang="en-US" dirty="0" smtClean="0"/>
-              <a:t>Goals of Project</a:t>
+              <a:t>Project Goals</a:t>
             </a:r>
             <a:endParaRPr lang="en-US" dirty="0"/>
           </a:p>
@@ -17017,8 +17017,8 @@
               <a:t>Tie things </a:t>
             </a:r>
             <a:r>
-              <a:rPr lang="en-US" dirty="0" err="1" smtClean="0"/>
-              <a:t>togehter</a:t>
+              <a:rPr lang="en-US" dirty="0" smtClean="0"/>
+              <a:t>together</a:t>
             </a:r>
             <a:endParaRPr lang="en-US" dirty="0" smtClean="0"/>
           </a:p>
@@ -18014,7 +18014,15 @@
           <a:p>
             <a:r>
               <a:rPr lang="en-US" dirty="0" smtClean="0"/>
-              <a:t>Build Rich based on fundamental blocks</a:t>
+              <a:t>Build </a:t>
+            </a:r>
+            <a:r>
+              <a:rPr lang="en-US" dirty="0" smtClean="0"/>
+              <a:t>Richer Functionality </a:t>
+            </a:r>
+            <a:r>
+              <a:rPr lang="en-US" dirty="0" smtClean="0"/>
+              <a:t>based on fundamental blocks</a:t>
             </a:r>
             <a:endParaRPr lang="en-US" dirty="0"/>
           </a:p>
